--- a/slides.pptx
+++ b/slides.pptx
@@ -11042,22 +11042,7 @@
                 <a:latin typeface="Arial" panose="02080604020202020204" charset="0"/>
                 <a:ea typeface="SimSun" charset="-122"/>
               </a:rPr>
-              <a:t>i</a:t>
-            </a:r>
-            <a:r>
-              <a:rPr lang="x-none" altLang="en-US" sz="4400" b="0" strike="noStrike" spc="-1">
-                <a:solidFill>
-                  <a:srgbClr val="000000"/>
-                </a:solidFill>
-                <a:uFill>
-                  <a:solidFill>
-                    <a:srgbClr val="FFFFFF"/>
-                  </a:solidFill>
-                </a:uFill>
-                <a:latin typeface="Arial" panose="02080604020202020204" charset="0"/>
-                <a:ea typeface="SimSun" charset="-122"/>
-              </a:rPr>
-              <a:t>nput/output</a:t>
+              <a:t>input/output</a:t>
             </a:r>
             <a:endParaRPr lang="x-none" altLang="en-US" sz="4400" b="0" strike="noStrike" spc="-1">
               <a:solidFill>
@@ -14308,7 +14293,7 @@
         </p:nvSpPr>
         <p:spPr>
           <a:xfrm>
-            <a:off x="609480" y="274680"/>
+            <a:off x="589160" y="253725"/>
             <a:ext cx="10972440" cy="1142640"/>
           </a:xfrm>
           <a:prstGeom prst="rect">
